--- a/source/1.大学図書館員のためのデータクレンジングのはじめ方.pptx
+++ b/source/1.大学図書館員のためのデータクレンジングのはじめ方.pptx
@@ -1171,7 +1171,7 @@
           <a:p>
             <a:fld id="{21C36ADF-1219-4F31-BCA4-E37CAEC12501}" type="datetimeFigureOut">
               <a:rPr kumimoji="1" lang="ja-JP" altLang="en-US" smtClean="0"/>
-              <a:t>2023/9/19</a:t>
+              <a:t>2023/9/23</a:t>
             </a:fld>
             <a:endParaRPr kumimoji="1" lang="ja-JP" altLang="en-US"/>
           </a:p>
@@ -1336,7 +1336,7 @@
           <a:p>
             <a:fld id="{BBAD3E5B-B032-4145-B6FF-3A627BFF6FE6}" type="datetimeFigureOut">
               <a:rPr kumimoji="1" lang="ja-JP" altLang="en-US" smtClean="0"/>
-              <a:t>2023/9/19</a:t>
+              <a:t>2023/9/23</a:t>
             </a:fld>
             <a:endParaRPr kumimoji="1" lang="ja-JP" altLang="en-US"/>
           </a:p>
@@ -1868,7 +1868,7 @@
           <a:p>
             <a:fld id="{E7FB287D-04DA-460E-9A6C-D7C1E56DBB4D}" type="datetime1">
               <a:rPr kumimoji="1" lang="ja-JP" altLang="en-US" smtClean="0"/>
-              <a:t>2023/9/19</a:t>
+              <a:t>2023/9/23</a:t>
             </a:fld>
             <a:endParaRPr kumimoji="1" lang="ja-JP" altLang="en-US"/>
           </a:p>
@@ -2077,7 +2077,7 @@
           <a:p>
             <a:fld id="{379A2E7A-B023-4F3E-A445-FC22DAA0783B}" type="datetime1">
               <a:rPr kumimoji="1" lang="ja-JP" altLang="en-US" smtClean="0"/>
-              <a:t>2023/9/19</a:t>
+              <a:t>2023/9/23</a:t>
             </a:fld>
             <a:endParaRPr kumimoji="1" lang="ja-JP" altLang="en-US"/>
           </a:p>
@@ -2296,7 +2296,7 @@
           <a:p>
             <a:fld id="{780511B1-8FA4-47D0-B7AA-2604FC040E12}" type="datetime1">
               <a:rPr kumimoji="1" lang="ja-JP" altLang="en-US" smtClean="0"/>
-              <a:t>2023/9/19</a:t>
+              <a:t>2023/9/23</a:t>
             </a:fld>
             <a:endParaRPr kumimoji="1" lang="ja-JP" altLang="en-US"/>
           </a:p>
@@ -2505,7 +2505,7 @@
           <a:p>
             <a:fld id="{CCEAF4E3-D777-4202-895E-8912C49FD04B}" type="datetime1">
               <a:rPr kumimoji="1" lang="ja-JP" altLang="en-US" smtClean="0"/>
-              <a:t>2023/9/19</a:t>
+              <a:t>2023/9/23</a:t>
             </a:fld>
             <a:endParaRPr kumimoji="1" lang="ja-JP" altLang="en-US"/>
           </a:p>
@@ -2759,7 +2759,7 @@
           <a:p>
             <a:fld id="{1A66AE2A-003A-42FE-A6E4-456362EE0FED}" type="datetime1">
               <a:rPr kumimoji="1" lang="ja-JP" altLang="en-US" smtClean="0"/>
-              <a:t>2023/9/19</a:t>
+              <a:t>2023/9/23</a:t>
             </a:fld>
             <a:endParaRPr kumimoji="1" lang="ja-JP" altLang="en-US"/>
           </a:p>
@@ -3061,7 +3061,7 @@
           <a:p>
             <a:fld id="{9A888F0B-548B-4A4C-B5F5-CA14300F4ABA}" type="datetime1">
               <a:rPr kumimoji="1" lang="ja-JP" altLang="en-US" smtClean="0"/>
-              <a:t>2023/9/19</a:t>
+              <a:t>2023/9/23</a:t>
             </a:fld>
             <a:endParaRPr kumimoji="1" lang="ja-JP" altLang="en-US"/>
           </a:p>
@@ -3498,7 +3498,7 @@
           <a:p>
             <a:fld id="{82003627-E797-4FDA-BCF3-E48FC8048C92}" type="datetime1">
               <a:rPr kumimoji="1" lang="ja-JP" altLang="en-US" smtClean="0"/>
-              <a:t>2023/9/19</a:t>
+              <a:t>2023/9/23</a:t>
             </a:fld>
             <a:endParaRPr kumimoji="1" lang="ja-JP" altLang="en-US"/>
           </a:p>
@@ -3624,7 +3624,7 @@
           <a:p>
             <a:fld id="{F0762E79-FC61-4B76-B754-5E452C15AB13}" type="datetime1">
               <a:rPr kumimoji="1" lang="ja-JP" altLang="en-US" smtClean="0"/>
-              <a:t>2023/9/19</a:t>
+              <a:t>2023/9/23</a:t>
             </a:fld>
             <a:endParaRPr kumimoji="1" lang="ja-JP" altLang="en-US"/>
           </a:p>
@@ -3728,7 +3728,7 @@
           <a:p>
             <a:fld id="{0E1FF2F3-2C00-41B6-8742-D53F60FA5C2D}" type="datetime1">
               <a:rPr kumimoji="1" lang="ja-JP" altLang="en-US" smtClean="0"/>
-              <a:t>2023/9/19</a:t>
+              <a:t>2023/9/23</a:t>
             </a:fld>
             <a:endParaRPr kumimoji="1" lang="ja-JP" altLang="en-US"/>
           </a:p>
@@ -4044,7 +4044,7 @@
           <a:p>
             <a:fld id="{DE801FCE-1C33-4151-BB55-89C15AE5AADE}" type="datetime1">
               <a:rPr kumimoji="1" lang="ja-JP" altLang="en-US" smtClean="0"/>
-              <a:t>2023/9/19</a:t>
+              <a:t>2023/9/23</a:t>
             </a:fld>
             <a:endParaRPr kumimoji="1" lang="ja-JP" altLang="en-US"/>
           </a:p>
@@ -4305,7 +4305,7 @@
           <a:p>
             <a:fld id="{B53FD770-0EED-45EC-9FC9-90618CF8F2F6}" type="datetime1">
               <a:rPr kumimoji="1" lang="ja-JP" altLang="en-US" smtClean="0"/>
-              <a:t>2023/9/19</a:t>
+              <a:t>2023/9/23</a:t>
             </a:fld>
             <a:endParaRPr kumimoji="1" lang="ja-JP" altLang="en-US"/>
           </a:p>
@@ -4589,7 +4589,7 @@
           <a:p>
             <a:fld id="{DAFF703F-7416-43DE-B882-EF9834CE1544}" type="datetime1">
               <a:rPr kumimoji="1" lang="ja-JP" altLang="en-US" smtClean="0"/>
-              <a:t>2023/9/19</a:t>
+              <a:t>2023/9/23</a:t>
             </a:fld>
             <a:endParaRPr kumimoji="1" lang="ja-JP" altLang="en-US"/>
           </a:p>
@@ -11275,7 +11275,7 @@
             <a:pPr lvl="1"/>
             <a:r>
               <a:rPr lang="ja-JP" altLang="en-US" dirty="0"/>
-              <a:t>「キーワード自動抽出システム」の開発・公開</a:t>
+              <a:t>「キーワード自動抽出システム」の開発担当</a:t>
             </a:r>
             <a:endParaRPr lang="en-US" altLang="ja-JP" dirty="0"/>
           </a:p>

--- a/source/1.大学図書館員のためのデータクレンジングのはじめ方.pptx
+++ b/source/1.大学図書館員のためのデータクレンジングのはじめ方.pptx
@@ -1171,7 +1171,7 @@
           <a:p>
             <a:fld id="{21C36ADF-1219-4F31-BCA4-E37CAEC12501}" type="datetimeFigureOut">
               <a:rPr kumimoji="1" lang="ja-JP" altLang="en-US" smtClean="0"/>
-              <a:t>2023/9/23</a:t>
+              <a:t>2023/9/25</a:t>
             </a:fld>
             <a:endParaRPr kumimoji="1" lang="ja-JP" altLang="en-US"/>
           </a:p>
@@ -1336,7 +1336,7 @@
           <a:p>
             <a:fld id="{BBAD3E5B-B032-4145-B6FF-3A627BFF6FE6}" type="datetimeFigureOut">
               <a:rPr kumimoji="1" lang="ja-JP" altLang="en-US" smtClean="0"/>
-              <a:t>2023/9/23</a:t>
+              <a:t>2023/9/25</a:t>
             </a:fld>
             <a:endParaRPr kumimoji="1" lang="ja-JP" altLang="en-US"/>
           </a:p>
@@ -1868,7 +1868,7 @@
           <a:p>
             <a:fld id="{E7FB287D-04DA-460E-9A6C-D7C1E56DBB4D}" type="datetime1">
               <a:rPr kumimoji="1" lang="ja-JP" altLang="en-US" smtClean="0"/>
-              <a:t>2023/9/23</a:t>
+              <a:t>2023/9/25</a:t>
             </a:fld>
             <a:endParaRPr kumimoji="1" lang="ja-JP" altLang="en-US"/>
           </a:p>
@@ -2077,7 +2077,7 @@
           <a:p>
             <a:fld id="{379A2E7A-B023-4F3E-A445-FC22DAA0783B}" type="datetime1">
               <a:rPr kumimoji="1" lang="ja-JP" altLang="en-US" smtClean="0"/>
-              <a:t>2023/9/23</a:t>
+              <a:t>2023/9/25</a:t>
             </a:fld>
             <a:endParaRPr kumimoji="1" lang="ja-JP" altLang="en-US"/>
           </a:p>
@@ -2296,7 +2296,7 @@
           <a:p>
             <a:fld id="{780511B1-8FA4-47D0-B7AA-2604FC040E12}" type="datetime1">
               <a:rPr kumimoji="1" lang="ja-JP" altLang="en-US" smtClean="0"/>
-              <a:t>2023/9/23</a:t>
+              <a:t>2023/9/25</a:t>
             </a:fld>
             <a:endParaRPr kumimoji="1" lang="ja-JP" altLang="en-US"/>
           </a:p>
@@ -2505,7 +2505,7 @@
           <a:p>
             <a:fld id="{CCEAF4E3-D777-4202-895E-8912C49FD04B}" type="datetime1">
               <a:rPr kumimoji="1" lang="ja-JP" altLang="en-US" smtClean="0"/>
-              <a:t>2023/9/23</a:t>
+              <a:t>2023/9/25</a:t>
             </a:fld>
             <a:endParaRPr kumimoji="1" lang="ja-JP" altLang="en-US"/>
           </a:p>
@@ -2759,7 +2759,7 @@
           <a:p>
             <a:fld id="{1A66AE2A-003A-42FE-A6E4-456362EE0FED}" type="datetime1">
               <a:rPr kumimoji="1" lang="ja-JP" altLang="en-US" smtClean="0"/>
-              <a:t>2023/9/23</a:t>
+              <a:t>2023/9/25</a:t>
             </a:fld>
             <a:endParaRPr kumimoji="1" lang="ja-JP" altLang="en-US"/>
           </a:p>
@@ -3061,7 +3061,7 @@
           <a:p>
             <a:fld id="{9A888F0B-548B-4A4C-B5F5-CA14300F4ABA}" type="datetime1">
               <a:rPr kumimoji="1" lang="ja-JP" altLang="en-US" smtClean="0"/>
-              <a:t>2023/9/23</a:t>
+              <a:t>2023/9/25</a:t>
             </a:fld>
             <a:endParaRPr kumimoji="1" lang="ja-JP" altLang="en-US"/>
           </a:p>
@@ -3498,7 +3498,7 @@
           <a:p>
             <a:fld id="{82003627-E797-4FDA-BCF3-E48FC8048C92}" type="datetime1">
               <a:rPr kumimoji="1" lang="ja-JP" altLang="en-US" smtClean="0"/>
-              <a:t>2023/9/23</a:t>
+              <a:t>2023/9/25</a:t>
             </a:fld>
             <a:endParaRPr kumimoji="1" lang="ja-JP" altLang="en-US"/>
           </a:p>
@@ -3624,7 +3624,7 @@
           <a:p>
             <a:fld id="{F0762E79-FC61-4B76-B754-5E452C15AB13}" type="datetime1">
               <a:rPr kumimoji="1" lang="ja-JP" altLang="en-US" smtClean="0"/>
-              <a:t>2023/9/23</a:t>
+              <a:t>2023/9/25</a:t>
             </a:fld>
             <a:endParaRPr kumimoji="1" lang="ja-JP" altLang="en-US"/>
           </a:p>
@@ -3728,7 +3728,7 @@
           <a:p>
             <a:fld id="{0E1FF2F3-2C00-41B6-8742-D53F60FA5C2D}" type="datetime1">
               <a:rPr kumimoji="1" lang="ja-JP" altLang="en-US" smtClean="0"/>
-              <a:t>2023/9/23</a:t>
+              <a:t>2023/9/25</a:t>
             </a:fld>
             <a:endParaRPr kumimoji="1" lang="ja-JP" altLang="en-US"/>
           </a:p>
@@ -4044,7 +4044,7 @@
           <a:p>
             <a:fld id="{DE801FCE-1C33-4151-BB55-89C15AE5AADE}" type="datetime1">
               <a:rPr kumimoji="1" lang="ja-JP" altLang="en-US" smtClean="0"/>
-              <a:t>2023/9/23</a:t>
+              <a:t>2023/9/25</a:t>
             </a:fld>
             <a:endParaRPr kumimoji="1" lang="ja-JP" altLang="en-US"/>
           </a:p>
@@ -4305,7 +4305,7 @@
           <a:p>
             <a:fld id="{B53FD770-0EED-45EC-9FC9-90618CF8F2F6}" type="datetime1">
               <a:rPr kumimoji="1" lang="ja-JP" altLang="en-US" smtClean="0"/>
-              <a:t>2023/9/23</a:t>
+              <a:t>2023/9/25</a:t>
             </a:fld>
             <a:endParaRPr kumimoji="1" lang="ja-JP" altLang="en-US"/>
           </a:p>
@@ -4589,7 +4589,7 @@
           <a:p>
             <a:fld id="{DAFF703F-7416-43DE-B882-EF9834CE1544}" type="datetime1">
               <a:rPr kumimoji="1" lang="ja-JP" altLang="en-US" smtClean="0"/>
-              <a:t>2023/9/23</a:t>
+              <a:t>2023/9/25</a:t>
             </a:fld>
             <a:endParaRPr kumimoji="1" lang="ja-JP" altLang="en-US"/>
           </a:p>
@@ -9098,7 +9098,7 @@
           <p:nvPr>
             <p:extLst>
               <p:ext uri="{D42A27DB-BD31-4B8C-83A1-F6EECF244321}">
-                <p14:modId xmlns:p14="http://schemas.microsoft.com/office/powerpoint/2010/main" val="4291925604"/>
+                <p14:modId xmlns:p14="http://schemas.microsoft.com/office/powerpoint/2010/main" val="3834963757"/>
               </p:ext>
             </p:extLst>
           </p:nvPr>
@@ -9182,14 +9182,14 @@
                     <a:p>
                       <a:pPr algn="r"/>
                       <a:r>
-                        <a:rPr kumimoji="1" lang="en-US" altLang="ja-JP" sz="2400" dirty="0">
+                        <a:rPr kumimoji="1" lang="en-US" altLang="ja-JP" sz="2400" b="0" dirty="0">
                           <a:solidFill>
                             <a:schemeClr val="tx1"/>
                           </a:solidFill>
                         </a:rPr>
                         <a:t>20</a:t>
                       </a:r>
-                      <a:endParaRPr kumimoji="1" lang="ja-JP" altLang="en-US" sz="2400" dirty="0">
+                      <a:endParaRPr kumimoji="1" lang="ja-JP" altLang="en-US" sz="2400" b="0" dirty="0">
                         <a:solidFill>
                           <a:schemeClr val="tx1"/>
                         </a:solidFill>
@@ -9468,7 +9468,7 @@
         </p:nvSpPr>
         <p:spPr>
           <a:xfrm>
-            <a:off x="6959600" y="4542049"/>
+            <a:off x="6939280" y="4491513"/>
             <a:ext cx="650240" cy="1472671"/>
           </a:xfrm>
           <a:prstGeom prst="roundRect">
